--- a/Cmore Internal Presentation/C.LABEL-VR internal Presentation.pptx
+++ b/Cmore Internal Presentation/C.LABEL-VR internal Presentation.pptx
@@ -5,10 +5,10 @@
     <p:sldMasterId id="2147483660" r:id="rId4"/>
   </p:sldMasterIdLst>
   <p:notesMasterIdLst>
-    <p:notesMasterId r:id="rId19"/>
+    <p:notesMasterId r:id="rId21"/>
   </p:notesMasterIdLst>
   <p:handoutMasterIdLst>
-    <p:handoutMasterId r:id="rId20"/>
+    <p:handoutMasterId r:id="rId22"/>
   </p:handoutMasterIdLst>
   <p:sldIdLst>
     <p:sldId id="256" r:id="rId5"/>
@@ -22,9 +22,11 @@
     <p:sldId id="263" r:id="rId13"/>
     <p:sldId id="270" r:id="rId14"/>
     <p:sldId id="271" r:id="rId15"/>
-    <p:sldId id="262" r:id="rId16"/>
-    <p:sldId id="261" r:id="rId17"/>
-    <p:sldId id="265" r:id="rId18"/>
+    <p:sldId id="272" r:id="rId16"/>
+    <p:sldId id="273" r:id="rId17"/>
+    <p:sldId id="262" r:id="rId18"/>
+    <p:sldId id="261" r:id="rId19"/>
+    <p:sldId id="265" r:id="rId20"/>
   </p:sldIdLst>
   <p:sldSz cx="9937750" cy="7021513"/>
   <p:notesSz cx="6819900" cy="9918700"/>
@@ -1111,6 +1113,90 @@
     <p:extLst>
       <p:ext uri="{BB962C8B-B14F-4D97-AF65-F5344CB8AC3E}">
         <p14:creationId xmlns:p14="http://schemas.microsoft.com/office/powerpoint/2010/main" val="496410342"/>
+      </p:ext>
+    </p:extLst>
+  </p:cSld>
+  <p:clrMapOvr>
+    <a:masterClrMapping/>
+  </p:clrMapOvr>
+</p:notes>
+</file>
+
+<file path=ppt/notesSlides/notesSlide2.xml><?xml version="1.0" encoding="utf-8"?>
+<p:notes xmlns:a="http://schemas.openxmlformats.org/drawingml/2006/main" xmlns:r="http://schemas.openxmlformats.org/officeDocument/2006/relationships" xmlns:p="http://schemas.openxmlformats.org/presentationml/2006/main">
+  <p:cSld>
+    <p:spTree>
+      <p:nvGrpSpPr>
+        <p:cNvPr id="1" name=""/>
+        <p:cNvGrpSpPr/>
+        <p:nvPr/>
+      </p:nvGrpSpPr>
+      <p:grpSpPr>
+        <a:xfrm>
+          <a:off x="0" y="0"/>
+          <a:ext cx="0" cy="0"/>
+          <a:chOff x="0" y="0"/>
+          <a:chExt cx="0" cy="0"/>
+        </a:xfrm>
+      </p:grpSpPr>
+      <p:sp>
+        <p:nvSpPr>
+          <p:cNvPr id="2" name="Folienbildplatzhalter 1"/>
+          <p:cNvSpPr>
+            <a:spLocks noGrp="1" noRot="1" noChangeAspect="1"/>
+          </p:cNvSpPr>
+          <p:nvPr>
+            <p:ph type="sldImg"/>
+          </p:nvPr>
+        </p:nvSpPr>
+        <p:spPr/>
+      </p:sp>
+      <p:sp>
+        <p:nvSpPr>
+          <p:cNvPr id="3" name="Notizenplatzhalter 2"/>
+          <p:cNvSpPr>
+            <a:spLocks noGrp="1"/>
+          </p:cNvSpPr>
+          <p:nvPr>
+            <p:ph type="body" idx="1"/>
+          </p:nvPr>
+        </p:nvSpPr>
+        <p:spPr/>
+        <p:txBody>
+          <a:bodyPr/>
+          <a:lstStyle/>
+          <a:p>
+            <a:endParaRPr lang="en-US" dirty="0"/>
+          </a:p>
+        </p:txBody>
+      </p:sp>
+      <p:sp>
+        <p:nvSpPr>
+          <p:cNvPr id="4" name="Foliennummernplatzhalter 3"/>
+          <p:cNvSpPr>
+            <a:spLocks noGrp="1"/>
+          </p:cNvSpPr>
+          <p:nvPr>
+            <p:ph type="sldNum" sz="quarter" idx="10"/>
+          </p:nvPr>
+        </p:nvSpPr>
+        <p:spPr/>
+        <p:txBody>
+          <a:bodyPr/>
+          <a:lstStyle/>
+          <a:p>
+            <a:fld id="{2E8D9BD2-628A-1F44-B035-E0CEA0F5BD3F}" type="slidenum">
+              <a:rPr lang="de-DE" smtClean="0"/>
+              <a:t>12</a:t>
+            </a:fld>
+            <a:endParaRPr lang="de-DE" dirty="0"/>
+          </a:p>
+        </p:txBody>
+      </p:sp>
+    </p:spTree>
+    <p:extLst>
+      <p:ext uri="{BB962C8B-B14F-4D97-AF65-F5344CB8AC3E}">
+        <p14:creationId xmlns:p14="http://schemas.microsoft.com/office/powerpoint/2010/main" val="159326008"/>
       </p:ext>
     </p:extLst>
   </p:cSld>
@@ -23007,6 +23093,41 @@
           </a:xfrm>
         </p:spPr>
       </p:pic>
+      <p:sp>
+        <p:nvSpPr>
+          <p:cNvPr id="2" name="Textfeld 1">
+            <a:extLst>
+              <a:ext uri="{FF2B5EF4-FFF2-40B4-BE49-F238E27FC236}">
+                <a16:creationId xmlns:a16="http://schemas.microsoft.com/office/drawing/2014/main" id="{172C15A7-B5CE-43A6-9237-571CC4E9DDD4}"/>
+              </a:ext>
+            </a:extLst>
+          </p:cNvPr>
+          <p:cNvSpPr txBox="1"/>
+          <p:nvPr/>
+        </p:nvSpPr>
+        <p:spPr>
+          <a:xfrm>
+            <a:off x="7324724" y="5888620"/>
+            <a:ext cx="330540" cy="246221"/>
+          </a:xfrm>
+          <a:prstGeom prst="rect">
+            <a:avLst/>
+          </a:prstGeom>
+          <a:noFill/>
+        </p:spPr>
+        <p:txBody>
+          <a:bodyPr wrap="none" rtlCol="0">
+            <a:spAutoFit/>
+          </a:bodyPr>
+          <a:lstStyle/>
+          <a:p>
+            <a:r>
+              <a:rPr lang="en-US" sz="1000" dirty="0"/>
+              <a:t>[6]</a:t>
+            </a:r>
+          </a:p>
+        </p:txBody>
+      </p:sp>
     </p:spTree>
     <p:extLst>
       <p:ext uri="{BB962C8B-B14F-4D97-AF65-F5344CB8AC3E}">
@@ -23068,7 +23189,7 @@
         <p:spPr>
           <a:xfrm>
             <a:off x="358775" y="1597981"/>
-            <a:ext cx="4498975" cy="4941490"/>
+            <a:ext cx="4498975" cy="3269583"/>
           </a:xfrm>
         </p:spPr>
         <p:txBody>
@@ -23079,7 +23200,7 @@
               <a:buNone/>
             </a:pPr>
             <a:r>
-              <a:rPr lang="en-US" dirty="0"/>
+              <a:rPr lang="en-US" b="1" dirty="0"/>
               <a:t>Virtual Reality</a:t>
             </a:r>
           </a:p>
@@ -23096,10 +23217,9 @@
               </a:buBlip>
             </a:pPr>
             <a:r>
-              <a:rPr lang="en-US" dirty="0" err="1"/>
-              <a:t>Dwad</a:t>
-            </a:r>
-            <a:endParaRPr lang="en-US" dirty="0"/>
+              <a:rPr lang="en-US" dirty="0"/>
+              <a:t>Limited space in virtual world</a:t>
+            </a:r>
           </a:p>
           <a:p>
             <a:pPr>
@@ -23114,10 +23234,9 @@
               </a:buBlip>
             </a:pPr>
             <a:r>
-              <a:rPr lang="en-US" dirty="0" err="1"/>
-              <a:t>Awdawd</a:t>
-            </a:r>
-            <a:endParaRPr lang="en-US" dirty="0"/>
+              <a:rPr lang="en-US" dirty="0"/>
+              <a:t>Almost unlimited movement possibilities</a:t>
+            </a:r>
           </a:p>
           <a:p>
             <a:pPr>
@@ -23132,10 +23251,9 @@
               </a:buBlip>
             </a:pPr>
             <a:r>
-              <a:rPr lang="en-US" dirty="0" err="1"/>
-              <a:t>Adawd</a:t>
-            </a:r>
-            <a:endParaRPr lang="en-US" dirty="0"/>
+              <a:rPr lang="en-US" dirty="0"/>
+              <a:t>More control opportunities by VR-Controllers </a:t>
+            </a:r>
           </a:p>
           <a:p>
             <a:pPr>
@@ -23150,22 +23268,13 @@
               </a:buBlip>
             </a:pPr>
             <a:r>
-              <a:rPr lang="en-US" dirty="0" err="1"/>
-              <a:t>Adwawd</a:t>
-            </a:r>
-            <a:endParaRPr lang="en-US" dirty="0"/>
-          </a:p>
-          <a:p>
-            <a:pPr>
-              <a:buBlip>
-                <a:blip r:embed="rId2">
-                  <a:extLst>
-                    <a:ext uri="{96DAC541-7B7A-43D3-8B79-37D633B846F1}">
-                      <asvg:svgBlip xmlns:asvg="http://schemas.microsoft.com/office/drawing/2016/SVG/main" r:embed="rId3"/>
-                    </a:ext>
-                  </a:extLst>
-                </a:blip>
-              </a:buBlip>
+              <a:rPr lang="en-US" dirty="0"/>
+              <a:t>Cheap acquisition costs</a:t>
+            </a:r>
+          </a:p>
+          <a:p>
+            <a:pPr marL="0" indent="0">
+              <a:buNone/>
             </a:pPr>
             <a:endParaRPr lang="en-US" dirty="0"/>
           </a:p>
@@ -23178,38 +23287,9 @@
               <a:buChar char="-"/>
             </a:pPr>
             <a:r>
-              <a:rPr lang="en-US" dirty="0" err="1"/>
-              <a:t>Saekfjnw</a:t>
-            </a:r>
-            <a:endParaRPr lang="en-US" dirty="0"/>
-          </a:p>
-          <a:p>
-            <a:pPr>
-              <a:buClr>
-                <a:schemeClr val="tx1"/>
-              </a:buClr>
-              <a:buFont typeface="Symbol" panose="05050102010706020507" pitchFamily="18" charset="2"/>
-              <a:buChar char="-"/>
-            </a:pPr>
-            <a:r>
-              <a:rPr lang="en-US" dirty="0" err="1"/>
-              <a:t>Fwf</a:t>
-            </a:r>
-            <a:endParaRPr lang="en-US" dirty="0"/>
-          </a:p>
-          <a:p>
-            <a:pPr>
-              <a:buClr>
-                <a:schemeClr val="tx1"/>
-              </a:buClr>
-              <a:buFont typeface="Symbol" panose="05050102010706020507" pitchFamily="18" charset="2"/>
-              <a:buChar char="-"/>
-            </a:pPr>
-            <a:r>
-              <a:rPr lang="en-US" dirty="0" err="1"/>
-              <a:t>wefgw</a:t>
-            </a:r>
-            <a:endParaRPr lang="en-US" dirty="0"/>
+              <a:rPr lang="en-US" dirty="0"/>
+              <a:t>VR-Sickness</a:t>
+            </a:r>
           </a:p>
         </p:txBody>
       </p:sp>
@@ -23231,8 +23311,8 @@
         </p:nvSpPr>
         <p:spPr>
           <a:xfrm>
-            <a:off x="5073650" y="1597981"/>
-            <a:ext cx="4502150" cy="4937110"/>
+            <a:off x="5073650" y="1597982"/>
+            <a:ext cx="4502150" cy="3204928"/>
           </a:xfrm>
         </p:spPr>
         <p:txBody>
@@ -23243,7 +23323,7 @@
               <a:buNone/>
             </a:pPr>
             <a:r>
-              <a:rPr lang="en-US" dirty="0"/>
+              <a:rPr lang="en-US" b="1" dirty="0"/>
               <a:t>Augmented Reality</a:t>
             </a:r>
           </a:p>
@@ -23260,10 +23340,9 @@
               </a:buBlip>
             </a:pPr>
             <a:r>
-              <a:rPr lang="en-US" dirty="0" err="1"/>
-              <a:t>Dwad</a:t>
-            </a:r>
-            <a:endParaRPr lang="en-US" dirty="0"/>
+              <a:rPr lang="en-US" dirty="0"/>
+              <a:t>Very futuristic technology -&gt; Eye catching </a:t>
+            </a:r>
           </a:p>
           <a:p>
             <a:pPr>
@@ -23278,63 +23357,21 @@
               </a:buBlip>
             </a:pPr>
             <a:r>
-              <a:rPr lang="en-US" dirty="0" err="1"/>
-              <a:t>Awdawd</a:t>
-            </a:r>
-            <a:endParaRPr lang="en-US" dirty="0"/>
-          </a:p>
-          <a:p>
-            <a:pPr>
-              <a:buBlip>
-                <a:blip r:embed="rId2">
-                  <a:extLst>
-                    <a:ext uri="{96DAC541-7B7A-43D3-8B79-37D633B846F1}">
-                      <asvg:svgBlip xmlns:asvg="http://schemas.microsoft.com/office/drawing/2016/SVG/main" r:embed="rId3"/>
-                    </a:ext>
-                  </a:extLst>
-                </a:blip>
-              </a:buBlip>
-            </a:pPr>
-            <a:r>
-              <a:rPr lang="en-US" dirty="0" err="1"/>
-              <a:t>Adawd</a:t>
-            </a:r>
-            <a:endParaRPr lang="en-US" dirty="0"/>
-          </a:p>
-          <a:p>
-            <a:pPr>
-              <a:buBlip>
-                <a:blip r:embed="rId2">
-                  <a:extLst>
-                    <a:ext uri="{96DAC541-7B7A-43D3-8B79-37D633B846F1}">
-                      <asvg:svgBlip xmlns:asvg="http://schemas.microsoft.com/office/drawing/2016/SVG/main" r:embed="rId3"/>
-                    </a:ext>
-                  </a:extLst>
-                </a:blip>
-              </a:buBlip>
-            </a:pPr>
-            <a:r>
-              <a:rPr lang="en-US" dirty="0" err="1"/>
-              <a:t>Adwawd</a:t>
-            </a:r>
-            <a:endParaRPr lang="en-US" dirty="0"/>
-          </a:p>
-          <a:p>
-            <a:pPr>
-              <a:buBlip>
-                <a:blip r:embed="rId2">
-                  <a:extLst>
-                    <a:ext uri="{96DAC541-7B7A-43D3-8B79-37D633B846F1}">
-                      <asvg:svgBlip xmlns:asvg="http://schemas.microsoft.com/office/drawing/2016/SVG/main" r:embed="rId3"/>
-                    </a:ext>
-                  </a:extLst>
-                </a:blip>
-              </a:buBlip>
+              <a:rPr lang="en-US" dirty="0"/>
+              <a:t>Intuitive Controls by gesture commands</a:t>
+            </a:r>
+          </a:p>
+          <a:p>
+            <a:pPr marL="0" indent="0">
+              <a:buNone/>
             </a:pPr>
             <a:endParaRPr lang="en-US" dirty="0"/>
           </a:p>
           <a:p>
             <a:pPr>
+              <a:lnSpc>
+                <a:spcPct val="100000"/>
+              </a:lnSpc>
               <a:buClr>
                 <a:schemeClr val="tx1"/>
               </a:buClr>
@@ -23342,13 +23379,15 @@
               <a:buChar char="-"/>
             </a:pPr>
             <a:r>
-              <a:rPr lang="en-US" dirty="0" err="1"/>
-              <a:t>Saekfjnw</a:t>
-            </a:r>
-            <a:endParaRPr lang="en-US" dirty="0"/>
+              <a:rPr lang="en-US" dirty="0"/>
+              <a:t>Visualization space limited by physical space</a:t>
+            </a:r>
           </a:p>
           <a:p>
             <a:pPr>
+              <a:lnSpc>
+                <a:spcPct val="100000"/>
+              </a:lnSpc>
               <a:buClr>
                 <a:schemeClr val="tx1"/>
               </a:buClr>
@@ -23356,13 +23395,15 @@
               <a:buChar char="-"/>
             </a:pPr>
             <a:r>
-              <a:rPr lang="en-US" dirty="0" err="1"/>
-              <a:t>Fwf</a:t>
-            </a:r>
-            <a:endParaRPr lang="en-US" dirty="0"/>
+              <a:rPr lang="en-US" dirty="0"/>
+              <a:t>Good visualization depends on environment lights</a:t>
+            </a:r>
           </a:p>
           <a:p>
             <a:pPr>
+              <a:lnSpc>
+                <a:spcPct val="100000"/>
+              </a:lnSpc>
               <a:buClr>
                 <a:schemeClr val="tx1"/>
               </a:buClr>
@@ -23370,10 +23411,41 @@
               <a:buChar char="-"/>
             </a:pPr>
             <a:r>
-              <a:rPr lang="en-US" dirty="0" err="1"/>
-              <a:t>wefgw</a:t>
-            </a:r>
-            <a:endParaRPr lang="en-US" dirty="0"/>
+              <a:rPr lang="en-US" dirty="0"/>
+              <a:t>Controls limited by amount of gestures</a:t>
+            </a:r>
+          </a:p>
+          <a:p>
+            <a:pPr>
+              <a:lnSpc>
+                <a:spcPct val="100000"/>
+              </a:lnSpc>
+              <a:buClr>
+                <a:schemeClr val="tx1"/>
+              </a:buClr>
+              <a:buFont typeface="Symbol" panose="05050102010706020507" pitchFamily="18" charset="2"/>
+              <a:buChar char="-"/>
+            </a:pPr>
+            <a:r>
+              <a:rPr lang="en-US" dirty="0"/>
+              <a:t>Navigation limited by human movements</a:t>
+            </a:r>
+          </a:p>
+          <a:p>
+            <a:pPr>
+              <a:lnSpc>
+                <a:spcPct val="100000"/>
+              </a:lnSpc>
+              <a:buClr>
+                <a:schemeClr val="tx1"/>
+              </a:buClr>
+              <a:buFont typeface="Symbol" panose="05050102010706020507" pitchFamily="18" charset="2"/>
+              <a:buChar char="-"/>
+            </a:pPr>
+            <a:r>
+              <a:rPr lang="en-US" dirty="0"/>
+              <a:t>Quite expensive</a:t>
+            </a:r>
           </a:p>
           <a:p>
             <a:pPr marL="0" indent="0" algn="ctr">
@@ -23459,6 +23531,148 @@
             <a:r>
               <a:rPr lang="en-GB" sz="1400" dirty="0"/>
               <a:t>		</a:t>
+            </a:r>
+          </a:p>
+        </p:txBody>
+      </p:sp>
+      <p:pic>
+        <p:nvPicPr>
+          <p:cNvPr id="7" name="Grafik 6">
+            <a:extLst>
+              <a:ext uri="{FF2B5EF4-FFF2-40B4-BE49-F238E27FC236}">
+                <a16:creationId xmlns:a16="http://schemas.microsoft.com/office/drawing/2014/main" id="{55C37696-79BC-4254-ABD0-778746BE2FE6}"/>
+              </a:ext>
+            </a:extLst>
+          </p:cNvPr>
+          <p:cNvPicPr>
+            <a:picLocks noChangeAspect="1"/>
+          </p:cNvPicPr>
+          <p:nvPr/>
+        </p:nvPicPr>
+        <p:blipFill>
+          <a:blip r:embed="rId4" cstate="email">
+            <a:extLst>
+              <a:ext uri="{28A0092B-C50C-407E-A947-70E740481C1C}">
+                <a14:useLocalDpi xmlns:a14="http://schemas.microsoft.com/office/drawing/2010/main" val="0"/>
+              </a:ext>
+            </a:extLst>
+          </a:blip>
+          <a:stretch>
+            <a:fillRect/>
+          </a:stretch>
+        </p:blipFill>
+        <p:spPr>
+          <a:xfrm>
+            <a:off x="5629999" y="4807345"/>
+            <a:ext cx="3398982" cy="1638000"/>
+          </a:xfrm>
+          <a:prstGeom prst="rect">
+            <a:avLst/>
+          </a:prstGeom>
+        </p:spPr>
+      </p:pic>
+      <p:pic>
+        <p:nvPicPr>
+          <p:cNvPr id="9" name="Grafik 8">
+            <a:extLst>
+              <a:ext uri="{FF2B5EF4-FFF2-40B4-BE49-F238E27FC236}">
+                <a16:creationId xmlns:a16="http://schemas.microsoft.com/office/drawing/2014/main" id="{08FE5823-BD67-4C26-BC32-FDECFBE9D36A}"/>
+              </a:ext>
+            </a:extLst>
+          </p:cNvPr>
+          <p:cNvPicPr>
+            <a:picLocks noChangeAspect="1"/>
+          </p:cNvPicPr>
+          <p:nvPr/>
+        </p:nvPicPr>
+        <p:blipFill>
+          <a:blip r:embed="rId5" cstate="email">
+            <a:extLst>
+              <a:ext uri="{28A0092B-C50C-407E-A947-70E740481C1C}">
+                <a14:useLocalDpi xmlns:a14="http://schemas.microsoft.com/office/drawing/2010/main" val="0"/>
+              </a:ext>
+            </a:extLst>
+          </a:blip>
+          <a:stretch>
+            <a:fillRect/>
+          </a:stretch>
+        </p:blipFill>
+        <p:spPr>
+          <a:xfrm>
+            <a:off x="908771" y="4802910"/>
+            <a:ext cx="3398982" cy="1642435"/>
+          </a:xfrm>
+          <a:prstGeom prst="rect">
+            <a:avLst/>
+          </a:prstGeom>
+        </p:spPr>
+      </p:pic>
+      <p:sp>
+        <p:nvSpPr>
+          <p:cNvPr id="10" name="Textfeld 9">
+            <a:extLst>
+              <a:ext uri="{FF2B5EF4-FFF2-40B4-BE49-F238E27FC236}">
+                <a16:creationId xmlns:a16="http://schemas.microsoft.com/office/drawing/2014/main" id="{14FBA53E-B287-4C3E-9ABB-B02C6BF64830}"/>
+              </a:ext>
+            </a:extLst>
+          </p:cNvPr>
+          <p:cNvSpPr txBox="1"/>
+          <p:nvPr/>
+        </p:nvSpPr>
+        <p:spPr>
+          <a:xfrm>
+            <a:off x="2442992" y="6445345"/>
+            <a:ext cx="330540" cy="246221"/>
+          </a:xfrm>
+          <a:prstGeom prst="rect">
+            <a:avLst/>
+          </a:prstGeom>
+          <a:noFill/>
+        </p:spPr>
+        <p:txBody>
+          <a:bodyPr wrap="none" rtlCol="0">
+            <a:spAutoFit/>
+          </a:bodyPr>
+          <a:lstStyle/>
+          <a:p>
+            <a:r>
+              <a:rPr lang="en-US" sz="1000" dirty="0"/>
+              <a:t>[7]</a:t>
+            </a:r>
+          </a:p>
+        </p:txBody>
+      </p:sp>
+      <p:sp>
+        <p:nvSpPr>
+          <p:cNvPr id="11" name="Textfeld 10">
+            <a:extLst>
+              <a:ext uri="{FF2B5EF4-FFF2-40B4-BE49-F238E27FC236}">
+                <a16:creationId xmlns:a16="http://schemas.microsoft.com/office/drawing/2014/main" id="{D119063E-F8E9-40BB-A174-6A1A17317AF5}"/>
+              </a:ext>
+            </a:extLst>
+          </p:cNvPr>
+          <p:cNvSpPr txBox="1"/>
+          <p:nvPr/>
+        </p:nvSpPr>
+        <p:spPr>
+          <a:xfrm>
+            <a:off x="7159455" y="6445344"/>
+            <a:ext cx="330540" cy="246221"/>
+          </a:xfrm>
+          <a:prstGeom prst="rect">
+            <a:avLst/>
+          </a:prstGeom>
+          <a:noFill/>
+        </p:spPr>
+        <p:txBody>
+          <a:bodyPr wrap="none" rtlCol="0">
+            <a:spAutoFit/>
+          </a:bodyPr>
+          <a:lstStyle/>
+          <a:p>
+            <a:r>
+              <a:rPr lang="en-US" sz="1000" dirty="0"/>
+              <a:t>[8]</a:t>
             </a:r>
           </a:p>
         </p:txBody>
@@ -23507,10 +23721,152 @@
       </p:grpSpPr>
       <p:sp>
         <p:nvSpPr>
-          <p:cNvPr id="2" name="Titel 1">
+          <p:cNvPr id="2" name="Textplatzhalter 1">
             <a:extLst>
               <a:ext uri="{FF2B5EF4-FFF2-40B4-BE49-F238E27FC236}">
-                <a16:creationId xmlns:a16="http://schemas.microsoft.com/office/drawing/2014/main" id="{8F0A4FA2-1FE0-42FE-B2D8-CAA84315744A}"/>
+                <a16:creationId xmlns:a16="http://schemas.microsoft.com/office/drawing/2014/main" id="{8025F3E4-7627-4CC0-ACFF-BED94700482D}"/>
+              </a:ext>
+            </a:extLst>
+          </p:cNvPr>
+          <p:cNvSpPr>
+            <a:spLocks noGrp="1"/>
+          </p:cNvSpPr>
+          <p:nvPr>
+            <p:ph type="body" sz="quarter" idx="10"/>
+          </p:nvPr>
+        </p:nvSpPr>
+        <p:spPr/>
+        <p:txBody>
+          <a:bodyPr/>
+          <a:lstStyle/>
+          <a:p>
+            <a:pPr marL="0" indent="0" algn="ctr">
+              <a:buNone/>
+            </a:pPr>
+            <a:r>
+              <a:rPr lang="en-US" b="1" dirty="0"/>
+              <a:t>Most important requirements</a:t>
+            </a:r>
+          </a:p>
+          <a:p>
+            <a:pPr marL="0" indent="0" algn="ctr">
+              <a:buNone/>
+            </a:pPr>
+            <a:endParaRPr lang="en-US" b="1" dirty="0"/>
+          </a:p>
+          <a:p>
+            <a:pPr marL="0" indent="0" algn="ctr">
+              <a:buNone/>
+            </a:pPr>
+            <a:endParaRPr lang="en-US" b="1" dirty="0"/>
+          </a:p>
+          <a:p>
+            <a:r>
+              <a:rPr lang="en-US" dirty="0"/>
+              <a:t>Frames must be rendered twice</a:t>
+            </a:r>
+          </a:p>
+          <a:p>
+            <a:pPr lvl="1">
+              <a:buFont typeface="Wingdings" panose="05000000000000000000" pitchFamily="2" charset="2"/>
+              <a:buChar char="Ø"/>
+            </a:pPr>
+            <a:r>
+              <a:rPr lang="en-US" dirty="0"/>
+              <a:t>High computation power needed</a:t>
+            </a:r>
+          </a:p>
+          <a:p>
+            <a:pPr lvl="1">
+              <a:buFont typeface="Wingdings" panose="05000000000000000000" pitchFamily="2" charset="2"/>
+              <a:buChar char="Ø"/>
+            </a:pPr>
+            <a:endParaRPr lang="en-US" dirty="0"/>
+          </a:p>
+          <a:p>
+            <a:r>
+              <a:rPr lang="en-US" dirty="0"/>
+              <a:t>High end components produce heat</a:t>
+            </a:r>
+          </a:p>
+          <a:p>
+            <a:pPr lvl="1">
+              <a:buFont typeface="Wingdings" panose="05000000000000000000" pitchFamily="2" charset="2"/>
+              <a:buChar char="Ø"/>
+            </a:pPr>
+            <a:r>
+              <a:rPr lang="en-US" dirty="0"/>
+              <a:t>Good cooling needed</a:t>
+            </a:r>
+          </a:p>
+          <a:p>
+            <a:pPr lvl="1">
+              <a:buFont typeface="Wingdings" panose="05000000000000000000" pitchFamily="2" charset="2"/>
+              <a:buChar char="Ø"/>
+            </a:pPr>
+            <a:endParaRPr lang="en-US" dirty="0"/>
+          </a:p>
+          <a:p>
+            <a:r>
+              <a:rPr lang="en-US" dirty="0"/>
+              <a:t>Oculus Rift and Sensors need one USB 3.0 each</a:t>
+            </a:r>
+          </a:p>
+          <a:p>
+            <a:pPr lvl="1">
+              <a:buFont typeface="Wingdings" panose="05000000000000000000" pitchFamily="2" charset="2"/>
+              <a:buChar char="Ø"/>
+            </a:pPr>
+            <a:r>
+              <a:rPr lang="en-US" dirty="0"/>
+              <a:t>Mainboard with enough ports</a:t>
+            </a:r>
+          </a:p>
+        </p:txBody>
+      </p:sp>
+      <p:sp>
+        <p:nvSpPr>
+          <p:cNvPr id="3" name="Textplatzhalter 2">
+            <a:extLst>
+              <a:ext uri="{FF2B5EF4-FFF2-40B4-BE49-F238E27FC236}">
+                <a16:creationId xmlns:a16="http://schemas.microsoft.com/office/drawing/2014/main" id="{DDF09DB0-B98D-4C16-A226-44C96206E0F0}"/>
+              </a:ext>
+            </a:extLst>
+          </p:cNvPr>
+          <p:cNvSpPr>
+            <a:spLocks noGrp="1"/>
+          </p:cNvSpPr>
+          <p:nvPr>
+            <p:ph type="body" sz="quarter" idx="11"/>
+          </p:nvPr>
+        </p:nvSpPr>
+        <p:spPr/>
+        <p:txBody>
+          <a:bodyPr/>
+          <a:lstStyle/>
+          <a:p>
+            <a:pPr marL="0" indent="0" algn="ctr">
+              <a:buNone/>
+            </a:pPr>
+            <a:r>
+              <a:rPr lang="en-US" b="1" dirty="0"/>
+              <a:t>System Specifications</a:t>
+            </a:r>
+          </a:p>
+          <a:p>
+            <a:pPr marL="0" indent="0" algn="ctr">
+              <a:buNone/>
+            </a:pPr>
+            <a:endParaRPr lang="en-US" b="1" dirty="0"/>
+          </a:p>
+        </p:txBody>
+      </p:sp>
+      <p:sp>
+        <p:nvSpPr>
+          <p:cNvPr id="4" name="Titel 3">
+            <a:extLst>
+              <a:ext uri="{FF2B5EF4-FFF2-40B4-BE49-F238E27FC236}">
+                <a16:creationId xmlns:a16="http://schemas.microsoft.com/office/drawing/2014/main" id="{BE244606-5AB2-4C8E-BF0C-2EE36D22DFC8}"/>
               </a:ext>
             </a:extLst>
           </p:cNvPr>
@@ -23526,16 +23882,19 @@
           <a:bodyPr/>
           <a:lstStyle/>
           <a:p>
-            <a:endParaRPr lang="en-GB" noProof="0" dirty="0"/>
+            <a:r>
+              <a:rPr lang="en-US" dirty="0"/>
+              <a:t>2. System Components</a:t>
+            </a:r>
           </a:p>
         </p:txBody>
       </p:sp>
       <p:sp>
         <p:nvSpPr>
-          <p:cNvPr id="3" name="Textplatzhalter 2">
+          <p:cNvPr id="5" name="Textplatzhalter 4">
             <a:extLst>
               <a:ext uri="{FF2B5EF4-FFF2-40B4-BE49-F238E27FC236}">
-                <a16:creationId xmlns:a16="http://schemas.microsoft.com/office/drawing/2014/main" id="{1127532A-6D21-48AF-BAB2-99183D12BCAD}"/>
+                <a16:creationId xmlns:a16="http://schemas.microsoft.com/office/drawing/2014/main" id="{63A4B430-8E95-4E97-BBC8-BE7440708B6F}"/>
               </a:ext>
             </a:extLst>
           </p:cNvPr>
@@ -23543,7 +23902,7 @@
             <a:spLocks noGrp="1"/>
           </p:cNvSpPr>
           <p:nvPr>
-            <p:ph type="body" sz="quarter" idx="11"/>
+            <p:ph type="body" sz="quarter" idx="12"/>
           </p:nvPr>
         </p:nvSpPr>
         <p:spPr/>
@@ -23551,14 +23910,625 @@
           <a:bodyPr/>
           <a:lstStyle/>
           <a:p>
-            <a:endParaRPr lang="de-DE" dirty="0"/>
+            <a:r>
+              <a:rPr lang="en-US" dirty="0"/>
+              <a:t>b. </a:t>
+            </a:r>
+            <a:r>
+              <a:rPr lang="en-GB" sz="2400" dirty="0"/>
+              <a:t>The VR-Computer</a:t>
+            </a:r>
+          </a:p>
+          <a:p>
+            <a:endParaRPr lang="en-US" dirty="0"/>
           </a:p>
         </p:txBody>
       </p:sp>
+      <p:sp>
+        <p:nvSpPr>
+          <p:cNvPr id="6" name="Datumsplatzhalter 5">
+            <a:extLst>
+              <a:ext uri="{FF2B5EF4-FFF2-40B4-BE49-F238E27FC236}">
+                <a16:creationId xmlns:a16="http://schemas.microsoft.com/office/drawing/2014/main" id="{445AD29E-6017-4BE2-AF45-6472A58E3122}"/>
+              </a:ext>
+            </a:extLst>
+          </p:cNvPr>
+          <p:cNvSpPr>
+            <a:spLocks noGrp="1"/>
+          </p:cNvSpPr>
+          <p:nvPr>
+            <p:ph type="dt" sz="half" idx="14"/>
+          </p:nvPr>
+        </p:nvSpPr>
+        <p:spPr/>
+        <p:txBody>
+          <a:bodyPr/>
+          <a:lstStyle/>
+          <a:p>
+            <a:r>
+              <a:rPr lang="de-DE"/>
+              <a:t>Name der Präsentation | Version 2.0 | 06.10.2017</a:t>
+            </a:r>
+            <a:endParaRPr lang="de-DE" dirty="0"/>
+          </a:p>
+        </p:txBody>
+      </p:sp>
+      <p:graphicFrame>
+        <p:nvGraphicFramePr>
+          <p:cNvPr id="8" name="Tabelle 7">
+            <a:extLst>
+              <a:ext uri="{FF2B5EF4-FFF2-40B4-BE49-F238E27FC236}">
+                <a16:creationId xmlns:a16="http://schemas.microsoft.com/office/drawing/2014/main" id="{5C97FDAE-2187-443A-8CFB-99BEDEAA7DD2}"/>
+              </a:ext>
+            </a:extLst>
+          </p:cNvPr>
+          <p:cNvGraphicFramePr>
+            <a:graphicFrameLocks noGrp="1"/>
+          </p:cNvGraphicFramePr>
+          <p:nvPr>
+            <p:extLst>
+              <p:ext uri="{D42A27DB-BD31-4B8C-83A1-F6EECF244321}">
+                <p14:modId xmlns:p14="http://schemas.microsoft.com/office/powerpoint/2010/main" val="4047929954"/>
+              </p:ext>
+            </p:extLst>
+          </p:nvPr>
+        </p:nvGraphicFramePr>
+        <p:xfrm>
+          <a:off x="5073650" y="1843439"/>
+          <a:ext cx="4492624" cy="4234980"/>
+        </p:xfrm>
+        <a:graphic>
+          <a:graphicData uri="http://schemas.openxmlformats.org/drawingml/2006/table">
+            <a:tbl>
+              <a:tblPr firstRow="1" bandRow="1">
+                <a:tableStyleId>{5C22544A-7EE6-4342-B048-85BDC9FD1C3A}</a:tableStyleId>
+              </a:tblPr>
+              <a:tblGrid>
+                <a:gridCol w="2246312">
+                  <a:extLst>
+                    <a:ext uri="{9D8B030D-6E8A-4147-A177-3AD203B41FA5}">
+                      <a16:colId xmlns:a16="http://schemas.microsoft.com/office/drawing/2014/main" val="907017735"/>
+                    </a:ext>
+                  </a:extLst>
+                </a:gridCol>
+                <a:gridCol w="2246312">
+                  <a:extLst>
+                    <a:ext uri="{9D8B030D-6E8A-4147-A177-3AD203B41FA5}">
+                      <a16:colId xmlns:a16="http://schemas.microsoft.com/office/drawing/2014/main" val="2691932045"/>
+                    </a:ext>
+                  </a:extLst>
+                </a:gridCol>
+              </a:tblGrid>
+              <a:tr h="336068">
+                <a:tc>
+                  <a:txBody>
+                    <a:bodyPr/>
+                    <a:lstStyle/>
+                    <a:p>
+                      <a:r>
+                        <a:rPr lang="en-US" dirty="0"/>
+                        <a:t>Component Type</a:t>
+                      </a:r>
+                    </a:p>
+                  </a:txBody>
+                  <a:tcPr/>
+                </a:tc>
+                <a:tc>
+                  <a:txBody>
+                    <a:bodyPr/>
+                    <a:lstStyle/>
+                    <a:p>
+                      <a:r>
+                        <a:rPr lang="en-US" dirty="0"/>
+                        <a:t>Component Name</a:t>
+                      </a:r>
+                    </a:p>
+                  </a:txBody>
+                  <a:tcPr/>
+                </a:tc>
+                <a:extLst>
+                  <a:ext uri="{0D108BD9-81ED-4DB2-BD59-A6C34878D82A}">
+                    <a16:rowId xmlns:a16="http://schemas.microsoft.com/office/drawing/2014/main" val="4208191952"/>
+                  </a:ext>
+                </a:extLst>
+              </a:tr>
+              <a:tr h="416270">
+                <a:tc>
+                  <a:txBody>
+                    <a:bodyPr/>
+                    <a:lstStyle/>
+                    <a:p>
+                      <a:r>
+                        <a:rPr lang="en-US" dirty="0"/>
+                        <a:t>CPU</a:t>
+                      </a:r>
+                    </a:p>
+                  </a:txBody>
+                  <a:tcPr/>
+                </a:tc>
+                <a:tc>
+                  <a:txBody>
+                    <a:bodyPr/>
+                    <a:lstStyle/>
+                    <a:p>
+                      <a:r>
+                        <a:rPr lang="en-US" sz="1200" b="0" i="0" u="none" strike="noStrike" kern="1200" baseline="0" dirty="0">
+                          <a:solidFill>
+                            <a:schemeClr val="dk1"/>
+                          </a:solidFill>
+                          <a:latin typeface="+mn-lt"/>
+                          <a:ea typeface="+mn-ea"/>
+                          <a:cs typeface="+mn-cs"/>
+                        </a:rPr>
+                        <a:t>Intel® Core™ i7-7700K</a:t>
+                      </a:r>
+                      <a:endParaRPr lang="en-US" sz="1200" dirty="0"/>
+                    </a:p>
+                  </a:txBody>
+                  <a:tcPr/>
+                </a:tc>
+                <a:extLst>
+                  <a:ext uri="{0D108BD9-81ED-4DB2-BD59-A6C34878D82A}">
+                    <a16:rowId xmlns:a16="http://schemas.microsoft.com/office/drawing/2014/main" val="3780058900"/>
+                  </a:ext>
+                </a:extLst>
+              </a:tr>
+              <a:tr h="420085">
+                <a:tc>
+                  <a:txBody>
+                    <a:bodyPr/>
+                    <a:lstStyle/>
+                    <a:p>
+                      <a:r>
+                        <a:rPr lang="en-US" dirty="0"/>
+                        <a:t>GPU</a:t>
+                      </a:r>
+                    </a:p>
+                  </a:txBody>
+                  <a:tcPr/>
+                </a:tc>
+                <a:tc>
+                  <a:txBody>
+                    <a:bodyPr/>
+                    <a:lstStyle/>
+                    <a:p>
+                      <a:r>
+                        <a:rPr lang="en-US" sz="1200" b="0" i="0" u="none" strike="noStrike" kern="1200" baseline="0" dirty="0" err="1">
+                          <a:solidFill>
+                            <a:schemeClr val="dk1"/>
+                          </a:solidFill>
+                          <a:latin typeface="+mn-lt"/>
+                          <a:ea typeface="+mn-ea"/>
+                          <a:cs typeface="+mn-cs"/>
+                        </a:rPr>
+                        <a:t>Gainward</a:t>
+                      </a:r>
+                      <a:r>
+                        <a:rPr lang="en-US" sz="1200" b="0" i="0" u="none" strike="noStrike" kern="1200" baseline="0" dirty="0">
+                          <a:solidFill>
+                            <a:schemeClr val="dk1"/>
+                          </a:solidFill>
+                          <a:latin typeface="+mn-lt"/>
+                          <a:ea typeface="+mn-ea"/>
+                          <a:cs typeface="+mn-cs"/>
+                        </a:rPr>
+                        <a:t> GeForce GTX 1070 Phoenix</a:t>
+                      </a:r>
+                      <a:endParaRPr lang="en-US" sz="1200" dirty="0"/>
+                    </a:p>
+                  </a:txBody>
+                  <a:tcPr/>
+                </a:tc>
+                <a:extLst>
+                  <a:ext uri="{0D108BD9-81ED-4DB2-BD59-A6C34878D82A}">
+                    <a16:rowId xmlns:a16="http://schemas.microsoft.com/office/drawing/2014/main" val="2328778800"/>
+                  </a:ext>
+                </a:extLst>
+              </a:tr>
+              <a:tr h="416270">
+                <a:tc>
+                  <a:txBody>
+                    <a:bodyPr/>
+                    <a:lstStyle/>
+                    <a:p>
+                      <a:r>
+                        <a:rPr lang="en-US" sz="1800" b="0" i="0" u="none" strike="noStrike" kern="1200" baseline="0" dirty="0">
+                          <a:solidFill>
+                            <a:schemeClr val="dk1"/>
+                          </a:solidFill>
+                          <a:latin typeface="+mn-lt"/>
+                          <a:ea typeface="+mn-ea"/>
+                          <a:cs typeface="+mn-cs"/>
+                        </a:rPr>
+                        <a:t>Mainboard</a:t>
+                      </a:r>
+                      <a:endParaRPr lang="en-US" dirty="0"/>
+                    </a:p>
+                  </a:txBody>
+                  <a:tcPr/>
+                </a:tc>
+                <a:tc>
+                  <a:txBody>
+                    <a:bodyPr/>
+                    <a:lstStyle/>
+                    <a:p>
+                      <a:r>
+                        <a:rPr lang="en-US" sz="1200" b="0" i="0" u="none" strike="noStrike" kern="1200" baseline="0" dirty="0">
+                          <a:solidFill>
+                            <a:schemeClr val="dk1"/>
+                          </a:solidFill>
+                          <a:latin typeface="+mn-lt"/>
+                          <a:ea typeface="+mn-ea"/>
+                          <a:cs typeface="+mn-cs"/>
+                        </a:rPr>
+                        <a:t>ASUS PRIME Z270-A</a:t>
+                      </a:r>
+                      <a:endParaRPr lang="en-US" sz="1200" dirty="0"/>
+                    </a:p>
+                  </a:txBody>
+                  <a:tcPr/>
+                </a:tc>
+                <a:extLst>
+                  <a:ext uri="{0D108BD9-81ED-4DB2-BD59-A6C34878D82A}">
+                    <a16:rowId xmlns:a16="http://schemas.microsoft.com/office/drawing/2014/main" val="2023482900"/>
+                  </a:ext>
+                </a:extLst>
+              </a:tr>
+              <a:tr h="420085">
+                <a:tc>
+                  <a:txBody>
+                    <a:bodyPr/>
+                    <a:lstStyle/>
+                    <a:p>
+                      <a:r>
+                        <a:rPr lang="en-US" dirty="0"/>
+                        <a:t>RAM</a:t>
+                      </a:r>
+                    </a:p>
+                  </a:txBody>
+                  <a:tcPr/>
+                </a:tc>
+                <a:tc>
+                  <a:txBody>
+                    <a:bodyPr/>
+                    <a:lstStyle/>
+                    <a:p>
+                      <a:r>
+                        <a:rPr lang="en-US" sz="1200" b="0" i="0" u="none" strike="noStrike" kern="1200" baseline="0" dirty="0">
+                          <a:solidFill>
+                            <a:schemeClr val="dk1"/>
+                          </a:solidFill>
+                          <a:latin typeface="+mn-lt"/>
+                          <a:ea typeface="+mn-ea"/>
+                          <a:cs typeface="+mn-cs"/>
+                        </a:rPr>
+                        <a:t>HyperX DIMM 16 GB DDR4-2400 Kit</a:t>
+                      </a:r>
+                      <a:endParaRPr lang="en-US" sz="1200" dirty="0"/>
+                    </a:p>
+                  </a:txBody>
+                  <a:tcPr/>
+                </a:tc>
+                <a:extLst>
+                  <a:ext uri="{0D108BD9-81ED-4DB2-BD59-A6C34878D82A}">
+                    <a16:rowId xmlns:a16="http://schemas.microsoft.com/office/drawing/2014/main" val="3026115831"/>
+                  </a:ext>
+                </a:extLst>
+              </a:tr>
+              <a:tr h="416270">
+                <a:tc>
+                  <a:txBody>
+                    <a:bodyPr/>
+                    <a:lstStyle/>
+                    <a:p>
+                      <a:r>
+                        <a:rPr lang="en-US" dirty="0"/>
+                        <a:t>SSD</a:t>
+                      </a:r>
+                    </a:p>
+                  </a:txBody>
+                  <a:tcPr/>
+                </a:tc>
+                <a:tc>
+                  <a:txBody>
+                    <a:bodyPr/>
+                    <a:lstStyle/>
+                    <a:p>
+                      <a:r>
+                        <a:rPr lang="de-DE" sz="1200" b="0" i="0" u="none" strike="noStrike" kern="1200" baseline="0" dirty="0">
+                          <a:solidFill>
+                            <a:schemeClr val="dk1"/>
+                          </a:solidFill>
+                          <a:latin typeface="+mn-lt"/>
+                          <a:ea typeface="+mn-ea"/>
+                          <a:cs typeface="+mn-cs"/>
+                        </a:rPr>
+                        <a:t>Samsung 850 Pro 2,5” 512 GB</a:t>
+                      </a:r>
+                      <a:endParaRPr lang="en-US" sz="1200" dirty="0"/>
+                    </a:p>
+                  </a:txBody>
+                  <a:tcPr/>
+                </a:tc>
+                <a:extLst>
+                  <a:ext uri="{0D108BD9-81ED-4DB2-BD59-A6C34878D82A}">
+                    <a16:rowId xmlns:a16="http://schemas.microsoft.com/office/drawing/2014/main" val="3673462787"/>
+                  </a:ext>
+                </a:extLst>
+              </a:tr>
+              <a:tr h="416270">
+                <a:tc>
+                  <a:txBody>
+                    <a:bodyPr/>
+                    <a:lstStyle/>
+                    <a:p>
+                      <a:r>
+                        <a:rPr lang="en-US" dirty="0"/>
+                        <a:t>Power adapter</a:t>
+                      </a:r>
+                    </a:p>
+                  </a:txBody>
+                  <a:tcPr/>
+                </a:tc>
+                <a:tc>
+                  <a:txBody>
+                    <a:bodyPr/>
+                    <a:lstStyle/>
+                    <a:p>
+                      <a:r>
+                        <a:rPr lang="en-US" sz="1200" b="0" i="0" u="none" strike="noStrike" kern="1200" baseline="0" dirty="0">
+                          <a:solidFill>
+                            <a:schemeClr val="dk1"/>
+                          </a:solidFill>
+                          <a:latin typeface="+mn-lt"/>
+                          <a:ea typeface="+mn-ea"/>
+                          <a:cs typeface="+mn-cs"/>
+                        </a:rPr>
+                        <a:t>Cooler Master G550M 550W</a:t>
+                      </a:r>
+                      <a:endParaRPr lang="en-US" sz="1200" dirty="0"/>
+                    </a:p>
+                  </a:txBody>
+                  <a:tcPr>
+                    <a:lnB w="12700" cmpd="sng">
+                      <a:noFill/>
+                    </a:lnB>
+                  </a:tcPr>
+                </a:tc>
+                <a:extLst>
+                  <a:ext uri="{0D108BD9-81ED-4DB2-BD59-A6C34878D82A}">
+                    <a16:rowId xmlns:a16="http://schemas.microsoft.com/office/drawing/2014/main" val="8636824"/>
+                  </a:ext>
+                </a:extLst>
+              </a:tr>
+              <a:tr h="416270">
+                <a:tc>
+                  <a:txBody>
+                    <a:bodyPr/>
+                    <a:lstStyle/>
+                    <a:p>
+                      <a:r>
+                        <a:rPr lang="en-US" dirty="0"/>
+                        <a:t>CPU Cooler</a:t>
+                      </a:r>
+                    </a:p>
+                  </a:txBody>
+                  <a:tcPr>
+                    <a:lnR w="12700" cmpd="sng">
+                      <a:noFill/>
+                    </a:lnR>
+                  </a:tcPr>
+                </a:tc>
+                <a:tc>
+                  <a:txBody>
+                    <a:bodyPr/>
+                    <a:lstStyle/>
+                    <a:p>
+                      <a:r>
+                        <a:rPr lang="en-US" sz="1200" b="0" i="0" u="none" strike="noStrike" kern="1200" baseline="0" dirty="0">
+                          <a:solidFill>
+                            <a:schemeClr val="dk1"/>
+                          </a:solidFill>
+                          <a:latin typeface="+mn-lt"/>
+                          <a:ea typeface="+mn-ea"/>
+                          <a:cs typeface="+mn-cs"/>
+                        </a:rPr>
+                        <a:t>Noctua NH-D9L</a:t>
+                      </a:r>
+                      <a:endParaRPr lang="en-US" sz="1200" dirty="0"/>
+                    </a:p>
+                  </a:txBody>
+                  <a:tcPr>
+                    <a:lnL w="12700" cmpd="sng">
+                      <a:noFill/>
+                    </a:lnL>
+                    <a:lnR w="12700" cmpd="sng">
+                      <a:noFill/>
+                    </a:lnR>
+                    <a:lnT w="12700" cmpd="sng">
+                      <a:noFill/>
+                    </a:lnT>
+                    <a:lnB w="12700" cmpd="sng">
+                      <a:noFill/>
+                    </a:lnB>
+                    <a:lnTlToBr w="12700" cmpd="sng">
+                      <a:noFill/>
+                      <a:prstDash val="solid"/>
+                    </a:lnTlToBr>
+                    <a:lnBlToTr w="12700" cmpd="sng">
+                      <a:noFill/>
+                      <a:prstDash val="solid"/>
+                    </a:lnBlToTr>
+                  </a:tcPr>
+                </a:tc>
+                <a:extLst>
+                  <a:ext uri="{0D108BD9-81ED-4DB2-BD59-A6C34878D82A}">
+                    <a16:rowId xmlns:a16="http://schemas.microsoft.com/office/drawing/2014/main" val="1053695647"/>
+                  </a:ext>
+                </a:extLst>
+              </a:tr>
+              <a:tr h="420085">
+                <a:tc>
+                  <a:txBody>
+                    <a:bodyPr/>
+                    <a:lstStyle/>
+                    <a:p>
+                      <a:r>
+                        <a:rPr lang="en-US" dirty="0"/>
+                        <a:t>Case Cooler</a:t>
+                      </a:r>
+                    </a:p>
+                  </a:txBody>
+                  <a:tcPr>
+                    <a:lnR w="12700" cmpd="sng">
+                      <a:noFill/>
+                    </a:lnR>
+                  </a:tcPr>
+                </a:tc>
+                <a:tc>
+                  <a:txBody>
+                    <a:bodyPr/>
+                    <a:lstStyle/>
+                    <a:p>
+                      <a:r>
+                        <a:rPr lang="en-US" sz="1200" b="0" i="0" u="none" strike="noStrike" kern="1200" baseline="0" dirty="0">
+                          <a:solidFill>
+                            <a:schemeClr val="dk1"/>
+                          </a:solidFill>
+                          <a:latin typeface="+mn-lt"/>
+                          <a:ea typeface="+mn-ea"/>
+                          <a:cs typeface="+mn-cs"/>
+                        </a:rPr>
+                        <a:t>2x </a:t>
+                      </a:r>
+                      <a:r>
+                        <a:rPr lang="en-US" sz="1200" b="0" i="0" u="none" strike="noStrike" kern="1200" baseline="0" dirty="0" err="1">
+                          <a:solidFill>
+                            <a:schemeClr val="dk1"/>
+                          </a:solidFill>
+                          <a:latin typeface="+mn-lt"/>
+                          <a:ea typeface="+mn-ea"/>
+                          <a:cs typeface="+mn-cs"/>
+                        </a:rPr>
+                        <a:t>Coolink</a:t>
+                      </a:r>
+                      <a:r>
+                        <a:rPr lang="en-US" sz="1200" b="0" i="0" u="none" strike="noStrike" kern="1200" baseline="0" dirty="0">
+                          <a:solidFill>
+                            <a:schemeClr val="dk1"/>
+                          </a:solidFill>
+                          <a:latin typeface="+mn-lt"/>
+                          <a:ea typeface="+mn-ea"/>
+                          <a:cs typeface="+mn-cs"/>
+                        </a:rPr>
+                        <a:t> SWiF2-1200 120x120x25</a:t>
+                      </a:r>
+                      <a:endParaRPr lang="en-US" sz="1200" dirty="0"/>
+                    </a:p>
+                  </a:txBody>
+                  <a:tcPr>
+                    <a:lnL w="12700" cmpd="sng">
+                      <a:noFill/>
+                    </a:lnL>
+                    <a:lnR w="12700" cmpd="sng">
+                      <a:noFill/>
+                    </a:lnR>
+                    <a:lnT w="12700" cmpd="sng">
+                      <a:noFill/>
+                    </a:lnT>
+                    <a:lnB w="12700" cmpd="sng">
+                      <a:noFill/>
+                    </a:lnB>
+                    <a:lnTlToBr w="12700" cmpd="sng">
+                      <a:noFill/>
+                      <a:prstDash val="solid"/>
+                    </a:lnTlToBr>
+                    <a:lnBlToTr w="12700" cmpd="sng">
+                      <a:noFill/>
+                      <a:prstDash val="solid"/>
+                    </a:lnBlToTr>
+                  </a:tcPr>
+                </a:tc>
+                <a:extLst>
+                  <a:ext uri="{0D108BD9-81ED-4DB2-BD59-A6C34878D82A}">
+                    <a16:rowId xmlns:a16="http://schemas.microsoft.com/office/drawing/2014/main" val="1037265947"/>
+                  </a:ext>
+                </a:extLst>
+              </a:tr>
+              <a:tr h="416270">
+                <a:tc>
+                  <a:txBody>
+                    <a:bodyPr/>
+                    <a:lstStyle/>
+                    <a:p>
+                      <a:r>
+                        <a:rPr lang="en-US" dirty="0"/>
+                        <a:t>Case </a:t>
+                      </a:r>
+                    </a:p>
+                  </a:txBody>
+                  <a:tcPr>
+                    <a:lnR w="12700" cmpd="sng">
+                      <a:noFill/>
+                    </a:lnR>
+                  </a:tcPr>
+                </a:tc>
+                <a:tc>
+                  <a:txBody>
+                    <a:bodyPr/>
+                    <a:lstStyle/>
+                    <a:p>
+                      <a:r>
+                        <a:rPr lang="en-US" sz="1200" b="0" i="0" u="none" strike="noStrike" kern="1200" baseline="0" dirty="0">
+                          <a:solidFill>
+                            <a:schemeClr val="dk1"/>
+                          </a:solidFill>
+                          <a:latin typeface="+mn-lt"/>
+                          <a:ea typeface="+mn-ea"/>
+                          <a:cs typeface="+mn-cs"/>
+                        </a:rPr>
+                        <a:t>Cooler Master N300</a:t>
+                      </a:r>
+                      <a:endParaRPr lang="en-US" sz="1200" dirty="0"/>
+                    </a:p>
+                  </a:txBody>
+                  <a:tcPr>
+                    <a:lnL w="12700" cmpd="sng">
+                      <a:noFill/>
+                    </a:lnL>
+                    <a:lnR w="12700" cmpd="sng">
+                      <a:noFill/>
+                    </a:lnR>
+                    <a:lnT w="12700" cmpd="sng">
+                      <a:noFill/>
+                    </a:lnT>
+                    <a:lnB w="12700" cmpd="sng">
+                      <a:noFill/>
+                    </a:lnB>
+                    <a:lnTlToBr w="12700" cmpd="sng">
+                      <a:noFill/>
+                      <a:prstDash val="solid"/>
+                    </a:lnTlToBr>
+                    <a:lnBlToTr w="12700" cmpd="sng">
+                      <a:noFill/>
+                      <a:prstDash val="solid"/>
+                    </a:lnBlToTr>
+                  </a:tcPr>
+                </a:tc>
+                <a:extLst>
+                  <a:ext uri="{0D108BD9-81ED-4DB2-BD59-A6C34878D82A}">
+                    <a16:rowId xmlns:a16="http://schemas.microsoft.com/office/drawing/2014/main" val="3808048764"/>
+                  </a:ext>
+                </a:extLst>
+              </a:tr>
+            </a:tbl>
+          </a:graphicData>
+        </a:graphic>
+      </p:graphicFrame>
     </p:spTree>
     <p:extLst>
       <p:ext uri="{BB962C8B-B14F-4D97-AF65-F5344CB8AC3E}">
-        <p14:creationId xmlns:p14="http://schemas.microsoft.com/office/powerpoint/2010/main" val="3008312319"/>
+        <p14:creationId xmlns:p14="http://schemas.microsoft.com/office/powerpoint/2010/main" val="2740550404"/>
       </p:ext>
     </p:extLst>
   </p:cSld>
@@ -23599,10 +24569,60 @@
       </p:grpSpPr>
       <p:sp>
         <p:nvSpPr>
-          <p:cNvPr id="2" name="Titel 1">
+          <p:cNvPr id="2" name="Textplatzhalter 1">
             <a:extLst>
               <a:ext uri="{FF2B5EF4-FFF2-40B4-BE49-F238E27FC236}">
-                <a16:creationId xmlns:a16="http://schemas.microsoft.com/office/drawing/2014/main" id="{8F0A4FA2-1FE0-42FE-B2D8-CAA84315744A}"/>
+                <a16:creationId xmlns:a16="http://schemas.microsoft.com/office/drawing/2014/main" id="{D01E383A-5CBD-414B-AB52-66F4B3F07BF7}"/>
+              </a:ext>
+            </a:extLst>
+          </p:cNvPr>
+          <p:cNvSpPr>
+            <a:spLocks noGrp="1"/>
+          </p:cNvSpPr>
+          <p:nvPr>
+            <p:ph type="body" sz="quarter" idx="10"/>
+          </p:nvPr>
+        </p:nvSpPr>
+        <p:spPr/>
+        <p:txBody>
+          <a:bodyPr/>
+          <a:lstStyle/>
+          <a:p>
+            <a:endParaRPr lang="en-US" dirty="0"/>
+          </a:p>
+        </p:txBody>
+      </p:sp>
+      <p:sp>
+        <p:nvSpPr>
+          <p:cNvPr id="3" name="Textplatzhalter 2">
+            <a:extLst>
+              <a:ext uri="{FF2B5EF4-FFF2-40B4-BE49-F238E27FC236}">
+                <a16:creationId xmlns:a16="http://schemas.microsoft.com/office/drawing/2014/main" id="{2DB40442-C482-4B99-A849-602A1BAF9E1F}"/>
+              </a:ext>
+            </a:extLst>
+          </p:cNvPr>
+          <p:cNvSpPr>
+            <a:spLocks noGrp="1"/>
+          </p:cNvSpPr>
+          <p:nvPr>
+            <p:ph type="body" sz="quarter" idx="11"/>
+          </p:nvPr>
+        </p:nvSpPr>
+        <p:spPr/>
+        <p:txBody>
+          <a:bodyPr/>
+          <a:lstStyle/>
+          <a:p>
+            <a:endParaRPr lang="en-US"/>
+          </a:p>
+        </p:txBody>
+      </p:sp>
+      <p:sp>
+        <p:nvSpPr>
+          <p:cNvPr id="4" name="Titel 3">
+            <a:extLst>
+              <a:ext uri="{FF2B5EF4-FFF2-40B4-BE49-F238E27FC236}">
+                <a16:creationId xmlns:a16="http://schemas.microsoft.com/office/drawing/2014/main" id="{A7EB8219-F17D-4D7A-ABDC-BBA3E636F827}"/>
               </a:ext>
             </a:extLst>
           </p:cNvPr>
@@ -23618,16 +24638,19 @@
           <a:bodyPr/>
           <a:lstStyle/>
           <a:p>
-            <a:endParaRPr lang="en-GB" noProof="0" dirty="0"/>
+            <a:r>
+              <a:rPr lang="en-US" dirty="0"/>
+              <a:t>2. System Components</a:t>
+            </a:r>
           </a:p>
         </p:txBody>
       </p:sp>
       <p:sp>
         <p:nvSpPr>
-          <p:cNvPr id="3" name="Textplatzhalter 2">
+          <p:cNvPr id="5" name="Textplatzhalter 4">
             <a:extLst>
               <a:ext uri="{FF2B5EF4-FFF2-40B4-BE49-F238E27FC236}">
-                <a16:creationId xmlns:a16="http://schemas.microsoft.com/office/drawing/2014/main" id="{1127532A-6D21-48AF-BAB2-99183D12BCAD}"/>
+                <a16:creationId xmlns:a16="http://schemas.microsoft.com/office/drawing/2014/main" id="{87059912-9822-49F6-BC2E-764F1DD5CFA7}"/>
               </a:ext>
             </a:extLst>
           </p:cNvPr>
@@ -23635,7 +24658,7 @@
             <a:spLocks noGrp="1"/>
           </p:cNvSpPr>
           <p:nvPr>
-            <p:ph type="body" sz="quarter" idx="11"/>
+            <p:ph type="body" sz="quarter" idx="12"/>
           </p:nvPr>
         </p:nvSpPr>
         <p:spPr/>
@@ -23643,6 +24666,39 @@
           <a:bodyPr/>
           <a:lstStyle/>
           <a:p>
+            <a:r>
+              <a:rPr lang="en-GB" sz="2400" dirty="0"/>
+              <a:t>c. The VR-Development Platform</a:t>
+            </a:r>
+            <a:endParaRPr lang="en-US" dirty="0"/>
+          </a:p>
+        </p:txBody>
+      </p:sp>
+      <p:sp>
+        <p:nvSpPr>
+          <p:cNvPr id="6" name="Datumsplatzhalter 5">
+            <a:extLst>
+              <a:ext uri="{FF2B5EF4-FFF2-40B4-BE49-F238E27FC236}">
+                <a16:creationId xmlns:a16="http://schemas.microsoft.com/office/drawing/2014/main" id="{40504F75-1092-4645-B756-E77DF103F980}"/>
+              </a:ext>
+            </a:extLst>
+          </p:cNvPr>
+          <p:cNvSpPr>
+            <a:spLocks noGrp="1"/>
+          </p:cNvSpPr>
+          <p:nvPr>
+            <p:ph type="dt" sz="half" idx="14"/>
+          </p:nvPr>
+        </p:nvSpPr>
+        <p:spPr/>
+        <p:txBody>
+          <a:bodyPr/>
+          <a:lstStyle/>
+          <a:p>
+            <a:r>
+              <a:rPr lang="de-DE"/>
+              <a:t>Name der Präsentation | Version 2.0 | 06.10.2017</a:t>
+            </a:r>
             <a:endParaRPr lang="de-DE" dirty="0"/>
           </a:p>
         </p:txBody>
@@ -23650,7 +24706,7 @@
     </p:spTree>
     <p:extLst>
       <p:ext uri="{BB962C8B-B14F-4D97-AF65-F5344CB8AC3E}">
-        <p14:creationId xmlns:p14="http://schemas.microsoft.com/office/powerpoint/2010/main" val="3275567115"/>
+        <p14:creationId xmlns:p14="http://schemas.microsoft.com/office/powerpoint/2010/main" val="2980705190"/>
       </p:ext>
     </p:extLst>
   </p:cSld>
@@ -23694,6 +24750,190 @@
           <p:cNvPr id="2" name="Titel 1">
             <a:extLst>
               <a:ext uri="{FF2B5EF4-FFF2-40B4-BE49-F238E27FC236}">
+                <a16:creationId xmlns:a16="http://schemas.microsoft.com/office/drawing/2014/main" id="{8F0A4FA2-1FE0-42FE-B2D8-CAA84315744A}"/>
+              </a:ext>
+            </a:extLst>
+          </p:cNvPr>
+          <p:cNvSpPr>
+            <a:spLocks noGrp="1"/>
+          </p:cNvSpPr>
+          <p:nvPr>
+            <p:ph type="title"/>
+          </p:nvPr>
+        </p:nvSpPr>
+        <p:spPr/>
+        <p:txBody>
+          <a:bodyPr/>
+          <a:lstStyle/>
+          <a:p>
+            <a:endParaRPr lang="en-GB" noProof="0" dirty="0"/>
+          </a:p>
+        </p:txBody>
+      </p:sp>
+      <p:sp>
+        <p:nvSpPr>
+          <p:cNvPr id="3" name="Textplatzhalter 2">
+            <a:extLst>
+              <a:ext uri="{FF2B5EF4-FFF2-40B4-BE49-F238E27FC236}">
+                <a16:creationId xmlns:a16="http://schemas.microsoft.com/office/drawing/2014/main" id="{1127532A-6D21-48AF-BAB2-99183D12BCAD}"/>
+              </a:ext>
+            </a:extLst>
+          </p:cNvPr>
+          <p:cNvSpPr>
+            <a:spLocks noGrp="1"/>
+          </p:cNvSpPr>
+          <p:nvPr>
+            <p:ph type="body" sz="quarter" idx="11"/>
+          </p:nvPr>
+        </p:nvSpPr>
+        <p:spPr/>
+        <p:txBody>
+          <a:bodyPr/>
+          <a:lstStyle/>
+          <a:p>
+            <a:endParaRPr lang="de-DE" dirty="0"/>
+          </a:p>
+        </p:txBody>
+      </p:sp>
+    </p:spTree>
+    <p:extLst>
+      <p:ext uri="{BB962C8B-B14F-4D97-AF65-F5344CB8AC3E}">
+        <p14:creationId xmlns:p14="http://schemas.microsoft.com/office/powerpoint/2010/main" val="3008312319"/>
+      </p:ext>
+    </p:extLst>
+  </p:cSld>
+  <p:clrMapOvr>
+    <a:masterClrMapping/>
+  </p:clrMapOvr>
+  <mc:AlternateContent xmlns:mc="http://schemas.openxmlformats.org/markup-compatibility/2006" xmlns:p14="http://schemas.microsoft.com/office/powerpoint/2010/main">
+    <mc:Choice Requires="p14">
+      <p:transition p14:dur="100" advClick="0" advTm="4000">
+        <p:cut/>
+      </p:transition>
+    </mc:Choice>
+    <mc:Fallback xmlns="">
+      <p:transition advClick="0" advTm="4000">
+        <p:cut/>
+      </p:transition>
+    </mc:Fallback>
+  </mc:AlternateContent>
+</p:sld>
+</file>
+
+<file path=ppt/slides/slide15.xml><?xml version="1.0" encoding="utf-8"?>
+<p:sld xmlns:a="http://schemas.openxmlformats.org/drawingml/2006/main" xmlns:r="http://schemas.openxmlformats.org/officeDocument/2006/relationships" xmlns:p="http://schemas.openxmlformats.org/presentationml/2006/main">
+  <p:cSld>
+    <p:spTree>
+      <p:nvGrpSpPr>
+        <p:cNvPr id="1" name=""/>
+        <p:cNvGrpSpPr/>
+        <p:nvPr/>
+      </p:nvGrpSpPr>
+      <p:grpSpPr>
+        <a:xfrm>
+          <a:off x="0" y="0"/>
+          <a:ext cx="0" cy="0"/>
+          <a:chOff x="0" y="0"/>
+          <a:chExt cx="0" cy="0"/>
+        </a:xfrm>
+      </p:grpSpPr>
+      <p:sp>
+        <p:nvSpPr>
+          <p:cNvPr id="2" name="Titel 1">
+            <a:extLst>
+              <a:ext uri="{FF2B5EF4-FFF2-40B4-BE49-F238E27FC236}">
+                <a16:creationId xmlns:a16="http://schemas.microsoft.com/office/drawing/2014/main" id="{8F0A4FA2-1FE0-42FE-B2D8-CAA84315744A}"/>
+              </a:ext>
+            </a:extLst>
+          </p:cNvPr>
+          <p:cNvSpPr>
+            <a:spLocks noGrp="1"/>
+          </p:cNvSpPr>
+          <p:nvPr>
+            <p:ph type="title"/>
+          </p:nvPr>
+        </p:nvSpPr>
+        <p:spPr/>
+        <p:txBody>
+          <a:bodyPr/>
+          <a:lstStyle/>
+          <a:p>
+            <a:endParaRPr lang="en-GB" noProof="0" dirty="0"/>
+          </a:p>
+        </p:txBody>
+      </p:sp>
+      <p:sp>
+        <p:nvSpPr>
+          <p:cNvPr id="3" name="Textplatzhalter 2">
+            <a:extLst>
+              <a:ext uri="{FF2B5EF4-FFF2-40B4-BE49-F238E27FC236}">
+                <a16:creationId xmlns:a16="http://schemas.microsoft.com/office/drawing/2014/main" id="{1127532A-6D21-48AF-BAB2-99183D12BCAD}"/>
+              </a:ext>
+            </a:extLst>
+          </p:cNvPr>
+          <p:cNvSpPr>
+            <a:spLocks noGrp="1"/>
+          </p:cNvSpPr>
+          <p:nvPr>
+            <p:ph type="body" sz="quarter" idx="11"/>
+          </p:nvPr>
+        </p:nvSpPr>
+        <p:spPr/>
+        <p:txBody>
+          <a:bodyPr/>
+          <a:lstStyle/>
+          <a:p>
+            <a:endParaRPr lang="de-DE" dirty="0"/>
+          </a:p>
+        </p:txBody>
+      </p:sp>
+    </p:spTree>
+    <p:extLst>
+      <p:ext uri="{BB962C8B-B14F-4D97-AF65-F5344CB8AC3E}">
+        <p14:creationId xmlns:p14="http://schemas.microsoft.com/office/powerpoint/2010/main" val="3275567115"/>
+      </p:ext>
+    </p:extLst>
+  </p:cSld>
+  <p:clrMapOvr>
+    <a:masterClrMapping/>
+  </p:clrMapOvr>
+  <mc:AlternateContent xmlns:mc="http://schemas.openxmlformats.org/markup-compatibility/2006" xmlns:p14="http://schemas.microsoft.com/office/powerpoint/2010/main">
+    <mc:Choice Requires="p14">
+      <p:transition p14:dur="100" advClick="0" advTm="4000">
+        <p:cut/>
+      </p:transition>
+    </mc:Choice>
+    <mc:Fallback xmlns="">
+      <p:transition advClick="0" advTm="4000">
+        <p:cut/>
+      </p:transition>
+    </mc:Fallback>
+  </mc:AlternateContent>
+</p:sld>
+</file>
+
+<file path=ppt/slides/slide16.xml><?xml version="1.0" encoding="utf-8"?>
+<p:sld xmlns:a="http://schemas.openxmlformats.org/drawingml/2006/main" xmlns:r="http://schemas.openxmlformats.org/officeDocument/2006/relationships" xmlns:p="http://schemas.openxmlformats.org/presentationml/2006/main">
+  <p:cSld>
+    <p:spTree>
+      <p:nvGrpSpPr>
+        <p:cNvPr id="1" name=""/>
+        <p:cNvGrpSpPr/>
+        <p:nvPr/>
+      </p:nvGrpSpPr>
+      <p:grpSpPr>
+        <a:xfrm>
+          <a:off x="0" y="0"/>
+          <a:ext cx="0" cy="0"/>
+          <a:chOff x="0" y="0"/>
+          <a:chExt cx="0" cy="0"/>
+        </a:xfrm>
+      </p:grpSpPr>
+      <p:sp>
+        <p:nvSpPr>
+          <p:cNvPr id="2" name="Titel 1">
+            <a:extLst>
+              <a:ext uri="{FF2B5EF4-FFF2-40B4-BE49-F238E27FC236}">
                 <a16:creationId xmlns:a16="http://schemas.microsoft.com/office/drawing/2014/main" id="{B388867A-A027-4F93-8AC0-FCD4C81CB774}"/>
               </a:ext>
             </a:extLst>
@@ -23904,6 +25144,195 @@
             <a:r>
               <a:rPr lang="en-US" dirty="0"/>
               <a:t>, vol. abs/1408.1173, 2014.</a:t>
+            </a:r>
+          </a:p>
+          <a:p>
+            <a:r>
+              <a:rPr lang="en-US" b="1" dirty="0"/>
+              <a:t>[6] </a:t>
+            </a:r>
+            <a:r>
+              <a:rPr lang="de-DE" dirty="0"/>
+              <a:t>Amazon, “Oculus </a:t>
+            </a:r>
+            <a:r>
+              <a:rPr lang="de-DE" dirty="0" err="1"/>
+              <a:t>rift</a:t>
+            </a:r>
+            <a:r>
+              <a:rPr lang="de-DE" dirty="0"/>
+              <a:t> + </a:t>
+            </a:r>
+            <a:r>
+              <a:rPr lang="de-DE" dirty="0" err="1"/>
+              <a:t>touch</a:t>
+            </a:r>
+            <a:r>
+              <a:rPr lang="de-DE" dirty="0"/>
+              <a:t> </a:t>
+            </a:r>
+            <a:r>
+              <a:rPr lang="de-DE" dirty="0" err="1"/>
+              <a:t>bundle</a:t>
+            </a:r>
+            <a:r>
+              <a:rPr lang="de-DE" dirty="0"/>
+              <a:t>,” Internetquelle (abgerufen </a:t>
+            </a:r>
+            <a:r>
+              <a:rPr lang="en-US" dirty="0"/>
+              <a:t>am 07.05.2018), May 2018. [Online]. Available: </a:t>
+            </a:r>
+            <a:r>
+              <a:rPr lang="en-US" dirty="0">
+                <a:hlinkClick r:id="rId4"/>
+              </a:rPr>
+              <a:t>https://www.amazon.de/OCULUS-Germany-301-00095-01-Oculus-Bundle/dp/B073X8N1YW</a:t>
+            </a:r>
+            <a:endParaRPr lang="en-US" dirty="0"/>
+          </a:p>
+          <a:p>
+            <a:r>
+              <a:rPr lang="en-US" b="1" dirty="0"/>
+              <a:t>[7] </a:t>
+            </a:r>
+            <a:r>
+              <a:rPr lang="en-US" dirty="0"/>
+              <a:t>S. W. Greg </a:t>
+            </a:r>
+            <a:r>
+              <a:rPr lang="en-US" dirty="0" err="1"/>
+              <a:t>Vellante</a:t>
+            </a:r>
+            <a:r>
+              <a:rPr lang="en-US" dirty="0"/>
+              <a:t>, “Ikea joins forces with </a:t>
+            </a:r>
+            <a:r>
+              <a:rPr lang="en-US" dirty="0" err="1"/>
+              <a:t>htc</a:t>
+            </a:r>
+            <a:r>
+              <a:rPr lang="en-US" dirty="0"/>
+              <a:t> </a:t>
+            </a:r>
+            <a:r>
+              <a:rPr lang="en-US" dirty="0" err="1"/>
+              <a:t>vive</a:t>
+            </a:r>
+            <a:r>
+              <a:rPr lang="en-US" dirty="0"/>
+              <a:t> for virtual </a:t>
+            </a:r>
+            <a:r>
+              <a:rPr lang="de-DE" dirty="0" err="1"/>
+              <a:t>reality</a:t>
+            </a:r>
+            <a:r>
+              <a:rPr lang="de-DE" dirty="0"/>
+              <a:t> </a:t>
+            </a:r>
+            <a:r>
+              <a:rPr lang="de-DE" dirty="0" err="1"/>
+              <a:t>kitchen</a:t>
+            </a:r>
+            <a:r>
+              <a:rPr lang="de-DE" dirty="0"/>
+              <a:t>,” Internetquelle (abgerufen am 07.05.2018), Apr. </a:t>
+            </a:r>
+            <a:r>
+              <a:rPr lang="fr-FR" dirty="0"/>
+              <a:t>2016. [Online]. </a:t>
+            </a:r>
+            <a:r>
+              <a:rPr lang="fr-FR" dirty="0" err="1"/>
+              <a:t>Available</a:t>
+            </a:r>
+            <a:r>
+              <a:rPr lang="fr-FR" dirty="0"/>
+              <a:t>: http://techomebuilder.com/emagazine-articles-1/</a:t>
+            </a:r>
+            <a:r>
+              <a:rPr lang="en-US" dirty="0" err="1"/>
+              <a:t>ikea</a:t>
+            </a:r>
+            <a:r>
+              <a:rPr lang="en-US" dirty="0"/>
+              <a:t>-joins-forces-with-</a:t>
+            </a:r>
+            <a:r>
+              <a:rPr lang="en-US" dirty="0" err="1"/>
+              <a:t>htc</a:t>
+            </a:r>
+            <a:r>
+              <a:rPr lang="en-US" dirty="0"/>
+              <a:t>-</a:t>
+            </a:r>
+            <a:r>
+              <a:rPr lang="en-US" dirty="0" err="1"/>
+              <a:t>vive</a:t>
+            </a:r>
+            <a:r>
+              <a:rPr lang="en-US" dirty="0"/>
+              <a:t>-for-virtual-reality-kitchen</a:t>
+            </a:r>
+          </a:p>
+          <a:p>
+            <a:r>
+              <a:rPr lang="en-US" b="1" dirty="0"/>
+              <a:t>[8] </a:t>
+            </a:r>
+            <a:r>
+              <a:rPr lang="en-US" dirty="0"/>
+              <a:t>M. </a:t>
+            </a:r>
+            <a:r>
+              <a:rPr lang="en-US" dirty="0" err="1"/>
+              <a:t>Holo</a:t>
+            </a:r>
+            <a:r>
+              <a:rPr lang="en-US" dirty="0"/>
+              <a:t>, “</a:t>
+            </a:r>
+            <a:r>
+              <a:rPr lang="en-US" dirty="0" err="1"/>
+              <a:t>Unterschied</a:t>
+            </a:r>
+            <a:r>
+              <a:rPr lang="en-US" dirty="0"/>
+              <a:t> virtual reality (</a:t>
+            </a:r>
+            <a:r>
+              <a:rPr lang="en-US" dirty="0" err="1"/>
+              <a:t>vr</a:t>
+            </a:r>
+            <a:r>
+              <a:rPr lang="en-US" dirty="0"/>
+              <a:t>) und augmented reality (</a:t>
+            </a:r>
+            <a:r>
+              <a:rPr lang="en-US" dirty="0" err="1"/>
+              <a:t>ar</a:t>
+            </a:r>
+            <a:r>
+              <a:rPr lang="en-US" dirty="0"/>
+              <a:t>),” </a:t>
+            </a:r>
+            <a:r>
+              <a:rPr lang="en-US" dirty="0" err="1"/>
+              <a:t>Internetquelle</a:t>
+            </a:r>
+            <a:r>
+              <a:rPr lang="en-US" dirty="0"/>
+              <a:t> (</a:t>
+            </a:r>
+            <a:r>
+              <a:rPr lang="en-US" dirty="0" err="1"/>
+              <a:t>abgerufen</a:t>
+            </a:r>
+            <a:r>
+              <a:rPr lang="en-US" dirty="0"/>
+              <a:t> am 07.05.2018), May 2018. [Online]. Available: https://magic-holo.com/unterschied-virtual-reality-vr-und-augmented-reality-ar/</a:t>
             </a:r>
           </a:p>
           <a:p>
@@ -27283,12 +28712,6 @@
 </file>
 
 <file path=customXml/item2.xml><?xml version="1.0" encoding="utf-8"?>
-<p:properties xmlns:p="http://schemas.microsoft.com/office/2006/metadata/properties" xmlns:xsi="http://www.w3.org/2001/XMLSchema-instance" xmlns:pc="http://schemas.microsoft.com/office/infopath/2007/PartnerControls">
-  <documentManagement/>
-</p:properties>
-</file>
-
-<file path=customXml/item3.xml><?xml version="1.0" encoding="utf-8"?>
 <ct:contentTypeSchema xmlns:ct="http://schemas.microsoft.com/office/2006/metadata/contentType" xmlns:ma="http://schemas.microsoft.com/office/2006/metadata/properties/metaAttributes" ct:_="" ma:_="" ma:contentTypeName="Dokument" ma:contentTypeID="0x010100514BD9772B421647B8E86530A5AA3A9C" ma:contentTypeVersion="4" ma:contentTypeDescription="Ein neues Dokument erstellen." ma:contentTypeScope="" ma:versionID="a01a7a1c549e183b45b373dbd63aa583">
   <xsd:schema xmlns:xsd="http://www.w3.org/2001/XMLSchema" xmlns:xs="http://www.w3.org/2001/XMLSchema" xmlns:p="http://schemas.microsoft.com/office/2006/metadata/properties" xmlns:ns2="13b7b2e8-f483-4082-8134-846c7d4a2258" xmlns:ns3="8df8f02c-f9f5-4ed9-9b3d-2fce37199764" targetNamespace="http://schemas.microsoft.com/office/2006/metadata/properties" ma:root="true" ma:fieldsID="b286125e30d0ab16f7d786cfba7b1abb" ns2:_="" ns3:_="">
     <xsd:import namespace="13b7b2e8-f483-4082-8134-846c7d4a2258"/>
@@ -27453,6 +28876,12 @@
 </ct:contentTypeSchema>
 </file>
 
+<file path=customXml/item3.xml><?xml version="1.0" encoding="utf-8"?>
+<p:properties xmlns:p="http://schemas.microsoft.com/office/2006/metadata/properties" xmlns:xsi="http://www.w3.org/2001/XMLSchema-instance" xmlns:pc="http://schemas.microsoft.com/office/infopath/2007/PartnerControls">
+  <documentManagement/>
+</p:properties>
+</file>
+
 <file path=customXml/itemProps1.xml><?xml version="1.0" encoding="utf-8"?>
 <ds:datastoreItem xmlns:ds="http://schemas.openxmlformats.org/officeDocument/2006/customXml" ds:itemID="{C93283CB-ADF3-481A-BFA9-1FB15413BBC8}">
   <ds:schemaRefs>
@@ -27462,23 +28891,6 @@
 </file>
 
 <file path=customXml/itemProps2.xml><?xml version="1.0" encoding="utf-8"?>
-<ds:datastoreItem xmlns:ds="http://schemas.openxmlformats.org/officeDocument/2006/customXml" ds:itemID="{34467C19-957E-4AD5-B9A9-BD4998F8CDBE}">
-  <ds:schemaRefs>
-    <ds:schemaRef ds:uri="http://purl.org/dc/dcmitype/"/>
-    <ds:schemaRef ds:uri="http://schemas.microsoft.com/office/2006/documentManagement/types"/>
-    <ds:schemaRef ds:uri="http://purl.org/dc/elements/1.1/"/>
-    <ds:schemaRef ds:uri="http://schemas.microsoft.com/office/2006/metadata/properties"/>
-    <ds:schemaRef ds:uri="http://schemas.microsoft.com/office/infopath/2007/PartnerControls"/>
-    <ds:schemaRef ds:uri="13b7b2e8-f483-4082-8134-846c7d4a2258"/>
-    <ds:schemaRef ds:uri="http://purl.org/dc/terms/"/>
-    <ds:schemaRef ds:uri="http://schemas.openxmlformats.org/package/2006/metadata/core-properties"/>
-    <ds:schemaRef ds:uri="8df8f02c-f9f5-4ed9-9b3d-2fce37199764"/>
-    <ds:schemaRef ds:uri="http://www.w3.org/XML/1998/namespace"/>
-  </ds:schemaRefs>
-</ds:datastoreItem>
-</file>
-
-<file path=customXml/itemProps3.xml><?xml version="1.0" encoding="utf-8"?>
 <ds:datastoreItem xmlns:ds="http://schemas.openxmlformats.org/officeDocument/2006/customXml" ds:itemID="{EFFF697D-34CE-4A9F-8AF3-731F25357F85}">
   <ds:schemaRefs>
     <ds:schemaRef ds:uri="http://schemas.microsoft.com/office/2006/metadata/contentType"/>
@@ -27495,4 +28907,21 @@
     <ds:schemaRef ds:uri="http://schemas.microsoft.com/internal/obd"/>
   </ds:schemaRefs>
 </ds:datastoreItem>
+</file>
+
+<file path=customXml/itemProps3.xml><?xml version="1.0" encoding="utf-8"?>
+<ds:datastoreItem xmlns:ds="http://schemas.openxmlformats.org/officeDocument/2006/customXml" ds:itemID="{34467C19-957E-4AD5-B9A9-BD4998F8CDBE}">
+  <ds:schemaRefs>
+    <ds:schemaRef ds:uri="http://purl.org/dc/dcmitype/"/>
+    <ds:schemaRef ds:uri="http://schemas.microsoft.com/office/2006/documentManagement/types"/>
+    <ds:schemaRef ds:uri="http://purl.org/dc/elements/1.1/"/>
+    <ds:schemaRef ds:uri="http://schemas.microsoft.com/office/2006/metadata/properties"/>
+    <ds:schemaRef ds:uri="http://schemas.microsoft.com/office/infopath/2007/PartnerControls"/>
+    <ds:schemaRef ds:uri="13b7b2e8-f483-4082-8134-846c7d4a2258"/>
+    <ds:schemaRef ds:uri="http://purl.org/dc/terms/"/>
+    <ds:schemaRef ds:uri="http://schemas.openxmlformats.org/package/2006/metadata/core-properties"/>
+    <ds:schemaRef ds:uri="8df8f02c-f9f5-4ed9-9b3d-2fce37199764"/>
+    <ds:schemaRef ds:uri="http://www.w3.org/XML/1998/namespace"/>
+  </ds:schemaRefs>
+</ds:datastoreItem>
 </file>